--- a/전형적인 팀.pptx
+++ b/전형적인 팀.pptx
@@ -19,6 +19,7 @@
     <p:sldId id="267" r:id="rId13"/>
     <p:sldId id="268" r:id="rId14"/>
     <p:sldId id="269" r:id="rId15"/>
+    <p:sldId id="270" r:id="rId16"/>
   </p:sldIdLst>
   <p:sldSz cx="12192000" cy="6858000"/>
   <p:notesSz cx="6858000" cy="9144000"/>
@@ -117,6 +118,11 @@
       </a:defRPr>
     </a:lvl9pPr>
   </p:defaultTextStyle>
+  <p:extLst>
+    <p:ext uri="{EFAFB233-063F-42B5-8137-9DF3F51BA10A}">
+      <p15:sldGuideLst xmlns:p15="http://schemas.microsoft.com/office/powerpoint/2012/main"/>
+    </p:ext>
+  </p:extLst>
 </p:presentation>
 </file>
 
@@ -3017,6 +3023,13 @@
   <p:clrMapOvr>
     <a:masterClrMapping/>
   </p:clrMapOvr>
+  <p:timing>
+    <p:tnLst>
+      <p:par>
+        <p:cTn id="1" dur="indefinite" restart="never" nodeType="tmRoot"/>
+      </p:par>
+    </p:tnLst>
+  </p:timing>
 </p:sld>
 </file>
 
@@ -3107,6 +3120,13 @@
   <p:clrMapOvr>
     <a:masterClrMapping/>
   </p:clrMapOvr>
+  <p:timing>
+    <p:tnLst>
+      <p:par>
+        <p:cTn id="1" dur="indefinite" restart="never" nodeType="tmRoot"/>
+      </p:par>
+    </p:tnLst>
+  </p:timing>
 </p:sld>
 </file>
 
@@ -3167,6 +3187,13 @@
   <p:clrMapOvr>
     <a:masterClrMapping/>
   </p:clrMapOvr>
+  <p:timing>
+    <p:tnLst>
+      <p:par>
+        <p:cTn id="1" dur="indefinite" restart="never" nodeType="tmRoot"/>
+      </p:par>
+    </p:tnLst>
+  </p:timing>
 </p:sld>
 </file>
 
@@ -3227,6 +3254,13 @@
   <p:clrMapOvr>
     <a:masterClrMapping/>
   </p:clrMapOvr>
+  <p:timing>
+    <p:tnLst>
+      <p:par>
+        <p:cTn id="1" dur="indefinite" restart="never" nodeType="tmRoot"/>
+      </p:par>
+    </p:tnLst>
+  </p:timing>
 </p:sld>
 </file>
 
@@ -3287,6 +3321,13 @@
   <p:clrMapOvr>
     <a:masterClrMapping/>
   </p:clrMapOvr>
+  <p:timing>
+    <p:tnLst>
+      <p:par>
+        <p:cTn id="1" dur="indefinite" restart="never" nodeType="tmRoot"/>
+      </p:par>
+    </p:tnLst>
+  </p:timing>
 </p:sld>
 </file>
 
@@ -3347,6 +3388,425 @@
   <p:clrMapOvr>
     <a:masterClrMapping/>
   </p:clrMapOvr>
+  <p:timing>
+    <p:tnLst>
+      <p:par>
+        <p:cTn id="1" dur="indefinite" restart="never" nodeType="tmRoot"/>
+      </p:par>
+    </p:tnLst>
+  </p:timing>
+</p:sld>
+</file>
+
+<file path=ppt/slides/slide15.xml><?xml version="1.0" encoding="utf-8"?>
+<p:sld xmlns:a="http://schemas.openxmlformats.org/drawingml/2006/main" xmlns:r="http://schemas.openxmlformats.org/officeDocument/2006/relationships" xmlns:p="http://schemas.openxmlformats.org/presentationml/2006/main">
+  <p:cSld>
+    <p:spTree>
+      <p:nvGrpSpPr>
+        <p:cNvPr id="1" name=""/>
+        <p:cNvGrpSpPr/>
+        <p:nvPr/>
+      </p:nvGrpSpPr>
+      <p:grpSpPr>
+        <a:xfrm>
+          <a:off x="0" y="0"/>
+          <a:ext cx="0" cy="0"/>
+          <a:chOff x="0" y="0"/>
+          <a:chExt cx="0" cy="0"/>
+        </a:xfrm>
+      </p:grpSpPr>
+      <p:sp>
+        <p:nvSpPr>
+          <p:cNvPr id="5" name="TextBox 4"/>
+          <p:cNvSpPr txBox="1"/>
+          <p:nvPr/>
+        </p:nvSpPr>
+        <p:spPr>
+          <a:xfrm>
+            <a:off x="509952" y="773832"/>
+            <a:ext cx="11752385" cy="6001643"/>
+          </a:xfrm>
+          <a:prstGeom prst="rect">
+            <a:avLst/>
+          </a:prstGeom>
+          <a:noFill/>
+        </p:spPr>
+        <p:txBody>
+          <a:bodyPr wrap="square" rtlCol="0">
+            <a:spAutoFit/>
+          </a:bodyPr>
+          <a:lstStyle/>
+          <a:p>
+            <a:r>
+              <a:rPr lang="en-US" altLang="ko-KR" sz="3200" dirty="0" smtClean="0">
+                <a:latin typeface="+mj-lt"/>
+              </a:rPr>
+              <a:t>API </a:t>
+            </a:r>
+            <a:r>
+              <a:rPr lang="ko-KR" altLang="en-US" sz="3200" dirty="0" smtClean="0">
+                <a:latin typeface="+mj-lt"/>
+              </a:rPr>
+              <a:t>서버 </a:t>
+            </a:r>
+            <a:r>
+              <a:rPr lang="en-US" altLang="ko-KR" sz="3200" dirty="0" smtClean="0">
+                <a:latin typeface="+mj-lt"/>
+              </a:rPr>
+              <a:t>: </a:t>
+            </a:r>
+            <a:r>
+              <a:rPr lang="en-US" altLang="ko-KR" sz="3200" dirty="0" smtClean="0">
+                <a:solidFill>
+                  <a:srgbClr val="0070C0"/>
+                </a:solidFill>
+              </a:rPr>
+              <a:t>API</a:t>
+            </a:r>
+            <a:r>
+              <a:rPr lang="en-US" altLang="ko-KR" sz="3200" dirty="0">
+                <a:solidFill>
+                  <a:srgbClr val="0070C0"/>
+                </a:solidFill>
+              </a:rPr>
+              <a:t>.</a:t>
+            </a:r>
+            <a:r>
+              <a:rPr lang="ko-KR" altLang="en-US" sz="3200" dirty="0">
+                <a:solidFill>
+                  <a:srgbClr val="0070C0"/>
+                </a:solidFill>
+              </a:rPr>
+              <a:t>전형적인</a:t>
+            </a:r>
+            <a:r>
+              <a:rPr lang="en-US" altLang="ko-KR" sz="3200" dirty="0">
+                <a:solidFill>
+                  <a:srgbClr val="0070C0"/>
+                </a:solidFill>
+              </a:rPr>
+              <a:t>.</a:t>
+            </a:r>
+            <a:r>
+              <a:rPr lang="en-US" altLang="ko-KR" sz="3200" dirty="0" smtClean="0">
+                <a:solidFill>
+                  <a:srgbClr val="0070C0"/>
+                </a:solidFill>
+              </a:rPr>
+              <a:t>kro.kr</a:t>
+            </a:r>
+            <a:r>
+              <a:rPr lang="en-US" altLang="ko-KR" sz="3200" dirty="0" smtClean="0">
+                <a:latin typeface="+mj-lt"/>
+              </a:rPr>
+              <a:t/>
+            </a:r>
+            <a:br>
+              <a:rPr lang="en-US" altLang="ko-KR" sz="3200" dirty="0" smtClean="0">
+                <a:latin typeface="+mj-lt"/>
+              </a:rPr>
+            </a:br>
+            <a:r>
+              <a:rPr lang="en-US" altLang="ko-KR" sz="3200" dirty="0" smtClean="0">
+                <a:latin typeface="+mj-lt"/>
+              </a:rPr>
+              <a:t/>
+            </a:r>
+            <a:br>
+              <a:rPr lang="en-US" altLang="ko-KR" sz="3200" dirty="0" smtClean="0">
+                <a:latin typeface="+mj-lt"/>
+              </a:rPr>
+            </a:br>
+            <a:r>
+              <a:rPr lang="ko-KR" altLang="en-US" sz="3200" dirty="0" smtClean="0">
+                <a:latin typeface="+mj-lt"/>
+              </a:rPr>
+              <a:t>전형적인 </a:t>
+            </a:r>
+            <a:r>
+              <a:rPr lang="en-US" altLang="ko-KR" sz="3200" dirty="0" smtClean="0">
+                <a:latin typeface="+mj-lt"/>
+              </a:rPr>
+              <a:t>API</a:t>
+            </a:r>
+            <a:r>
+              <a:rPr lang="ko-KR" altLang="en-US" sz="3200" dirty="0" err="1" smtClean="0">
+                <a:latin typeface="+mj-lt"/>
+              </a:rPr>
+              <a:t>웹서비스</a:t>
+            </a:r>
+            <a:r>
+              <a:rPr lang="ko-KR" altLang="en-US" sz="3200" dirty="0">
+                <a:latin typeface="+mj-lt"/>
+              </a:rPr>
+              <a:t> </a:t>
+            </a:r>
+            <a:r>
+              <a:rPr lang="en-US" altLang="ko-KR" sz="3200" dirty="0" smtClean="0">
+                <a:latin typeface="+mj-lt"/>
+              </a:rPr>
+              <a:t>: </a:t>
+            </a:r>
+            <a:r>
+              <a:rPr lang="en-US" altLang="ko-KR" sz="3200" dirty="0" smtClean="0">
+                <a:solidFill>
+                  <a:srgbClr val="0070C0"/>
+                </a:solidFill>
+                <a:latin typeface="+mj-lt"/>
+                <a:hlinkClick r:id="rId2"/>
+              </a:rPr>
+              <a:t>http://</a:t>
+            </a:r>
+            <a:r>
+              <a:rPr lang="ko-KR" altLang="en-US" sz="3200" dirty="0" smtClean="0">
+                <a:solidFill>
+                  <a:srgbClr val="0070C0"/>
+                </a:solidFill>
+                <a:latin typeface="+mj-lt"/>
+                <a:hlinkClick r:id="rId2"/>
+              </a:rPr>
+              <a:t>전형적인</a:t>
+            </a:r>
+            <a:r>
+              <a:rPr lang="en-US" altLang="ko-KR" sz="3200" dirty="0" smtClean="0">
+                <a:solidFill>
+                  <a:srgbClr val="0070C0"/>
+                </a:solidFill>
+                <a:latin typeface="+mj-lt"/>
+                <a:hlinkClick r:id="rId2"/>
+              </a:rPr>
+              <a:t>.kro.kr/</a:t>
+            </a:r>
+            <a:r>
+              <a:rPr lang="en-US" altLang="ko-KR" sz="3200" dirty="0" err="1" smtClean="0">
+                <a:solidFill>
+                  <a:srgbClr val="0070C0"/>
+                </a:solidFill>
+                <a:latin typeface="+mj-lt"/>
+                <a:hlinkClick r:id="rId2"/>
+              </a:rPr>
+              <a:t>jsp</a:t>
+            </a:r>
+            <a:r>
+              <a:rPr lang="en-US" altLang="ko-KR" sz="3200" dirty="0" smtClean="0">
+                <a:solidFill>
+                  <a:srgbClr val="0070C0"/>
+                </a:solidFill>
+                <a:latin typeface="+mj-lt"/>
+                <a:hlinkClick r:id="rId2"/>
+              </a:rPr>
+              <a:t>/</a:t>
+            </a:r>
+            <a:r>
+              <a:rPr lang="en-US" altLang="ko-KR" sz="3200" dirty="0" err="1" smtClean="0">
+                <a:solidFill>
+                  <a:srgbClr val="0070C0"/>
+                </a:solidFill>
+                <a:latin typeface="+mj-lt"/>
+                <a:hlinkClick r:id="rId2"/>
+              </a:rPr>
+              <a:t>index.jsp</a:t>
+            </a:r>
+            <a:endParaRPr lang="en-US" altLang="ko-KR" sz="3200" dirty="0" smtClean="0">
+              <a:solidFill>
+                <a:srgbClr val="0070C0"/>
+              </a:solidFill>
+              <a:latin typeface="+mj-lt"/>
+            </a:endParaRPr>
+          </a:p>
+          <a:p>
+            <a:r>
+              <a:rPr lang="en-US" altLang="ko-KR" sz="3200" dirty="0" smtClean="0">
+                <a:latin typeface="+mj-lt"/>
+              </a:rPr>
+              <a:t/>
+            </a:r>
+            <a:br>
+              <a:rPr lang="en-US" altLang="ko-KR" sz="3200" dirty="0" smtClean="0">
+                <a:latin typeface="+mj-lt"/>
+              </a:rPr>
+            </a:br>
+            <a:r>
+              <a:rPr lang="en-US" altLang="ko-KR" sz="3200" dirty="0" smtClean="0">
+                <a:latin typeface="+mj-lt"/>
+              </a:rPr>
+              <a:t/>
+            </a:r>
+            <a:br>
+              <a:rPr lang="en-US" altLang="ko-KR" sz="3200" dirty="0" smtClean="0">
+                <a:latin typeface="+mj-lt"/>
+              </a:rPr>
+            </a:br>
+            <a:r>
+              <a:rPr lang="en-US" altLang="ko-KR" sz="3200" dirty="0" smtClean="0">
+                <a:latin typeface="+mj-lt"/>
+              </a:rPr>
+              <a:t>API </a:t>
+            </a:r>
+            <a:r>
+              <a:rPr lang="ko-KR" altLang="en-US" sz="3200" dirty="0" smtClean="0">
+                <a:latin typeface="+mj-lt"/>
+              </a:rPr>
+              <a:t>활용 예시 </a:t>
+            </a:r>
+            <a:r>
+              <a:rPr lang="en-US" altLang="ko-KR" sz="3200" dirty="0" smtClean="0">
+                <a:latin typeface="+mj-lt"/>
+              </a:rPr>
+              <a:t>: </a:t>
+            </a:r>
+            <a:r>
+              <a:rPr lang="en-US" altLang="ko-KR" sz="3200" dirty="0">
+                <a:solidFill>
+                  <a:srgbClr val="0070C0"/>
+                </a:solidFill>
+                <a:latin typeface="+mj-lt"/>
+                <a:hlinkClick r:id="rId3"/>
+              </a:rPr>
+              <a:t>http</a:t>
+            </a:r>
+            <a:r>
+              <a:rPr lang="en-US" altLang="ko-KR" sz="3200" dirty="0" smtClean="0">
+                <a:solidFill>
+                  <a:srgbClr val="0070C0"/>
+                </a:solidFill>
+                <a:latin typeface="+mj-lt"/>
+                <a:hlinkClick r:id="rId3"/>
+              </a:rPr>
+              <a:t>://</a:t>
+            </a:r>
+            <a:r>
+              <a:rPr lang="ko-KR" altLang="en-US" sz="3200" dirty="0" smtClean="0">
+                <a:solidFill>
+                  <a:srgbClr val="0070C0"/>
+                </a:solidFill>
+                <a:latin typeface="+mj-lt"/>
+                <a:hlinkClick r:id="rId3"/>
+              </a:rPr>
+              <a:t>전형적인</a:t>
+            </a:r>
+            <a:r>
+              <a:rPr lang="en-US" altLang="ko-KR" sz="3200" dirty="0" smtClean="0">
+                <a:solidFill>
+                  <a:srgbClr val="0070C0"/>
+                </a:solidFill>
+                <a:latin typeface="+mj-lt"/>
+                <a:hlinkClick r:id="rId3"/>
+              </a:rPr>
+              <a:t>.kro.kr/jsp/homepage/index.jsp</a:t>
+            </a:r>
+            <a:endParaRPr lang="en-US" altLang="ko-KR" sz="3200" dirty="0" smtClean="0">
+              <a:solidFill>
+                <a:srgbClr val="0070C0"/>
+              </a:solidFill>
+              <a:latin typeface="+mj-lt"/>
+            </a:endParaRPr>
+          </a:p>
+          <a:p>
+            <a:r>
+              <a:rPr lang="en-US" altLang="ko-KR" sz="3200" dirty="0" smtClean="0">
+                <a:solidFill>
+                  <a:srgbClr val="0070C0"/>
+                </a:solidFill>
+                <a:latin typeface="+mj-lt"/>
+              </a:rPr>
+              <a:t/>
+            </a:r>
+            <a:br>
+              <a:rPr lang="en-US" altLang="ko-KR" sz="3200" dirty="0" smtClean="0">
+                <a:solidFill>
+                  <a:srgbClr val="0070C0"/>
+                </a:solidFill>
+                <a:latin typeface="+mj-lt"/>
+              </a:rPr>
+            </a:br>
+            <a:r>
+              <a:rPr lang="en-US" altLang="ko-KR" sz="3200" dirty="0" smtClean="0">
+                <a:solidFill>
+                  <a:srgbClr val="0070C0"/>
+                </a:solidFill>
+                <a:latin typeface="+mj-lt"/>
+              </a:rPr>
+              <a:t/>
+            </a:r>
+            <a:br>
+              <a:rPr lang="en-US" altLang="ko-KR" sz="3200" dirty="0" smtClean="0">
+                <a:solidFill>
+                  <a:srgbClr val="0070C0"/>
+                </a:solidFill>
+                <a:latin typeface="+mj-lt"/>
+              </a:rPr>
+            </a:br>
+            <a:r>
+              <a:rPr lang="en-US" altLang="ko-KR" sz="3200" dirty="0" smtClean="0">
+                <a:solidFill>
+                  <a:srgbClr val="0070C0"/>
+                </a:solidFill>
+                <a:latin typeface="+mj-lt"/>
+              </a:rPr>
+              <a:t/>
+            </a:r>
+            <a:br>
+              <a:rPr lang="en-US" altLang="ko-KR" sz="3200" dirty="0" smtClean="0">
+                <a:solidFill>
+                  <a:srgbClr val="0070C0"/>
+                </a:solidFill>
+                <a:latin typeface="+mj-lt"/>
+              </a:rPr>
+            </a:br>
+            <a:r>
+              <a:rPr lang="en-US" altLang="ko-KR" sz="3200" dirty="0">
+                <a:hlinkClick r:id="rId4"/>
+              </a:rPr>
+              <a:t>http</a:t>
+            </a:r>
+            <a:r>
+              <a:rPr lang="en-US" altLang="ko-KR" sz="3200" dirty="0" smtClean="0">
+                <a:hlinkClick r:id="rId4"/>
+              </a:rPr>
+              <a:t>://API.</a:t>
+            </a:r>
+            <a:r>
+              <a:rPr lang="ko-KR" altLang="en-US" sz="3200" dirty="0" smtClean="0">
+                <a:hlinkClick r:id="rId4"/>
+              </a:rPr>
+              <a:t>전형적인</a:t>
+            </a:r>
+            <a:r>
+              <a:rPr lang="en-US" altLang="ko-KR" sz="3200" dirty="0" smtClean="0">
+                <a:hlinkClick r:id="rId4"/>
+              </a:rPr>
+              <a:t>.kro.kr/Api?apikey=a8cabf7c-93b2-427c-8cf1-9aca3de359cd</a:t>
+            </a:r>
+            <a:endParaRPr lang="en-US" altLang="ko-KR" sz="3200" dirty="0" smtClean="0"/>
+          </a:p>
+          <a:p>
+            <a:endParaRPr lang="ko-KR" altLang="en-US" sz="3200" dirty="0">
+              <a:solidFill>
+                <a:srgbClr val="0070C0"/>
+              </a:solidFill>
+              <a:latin typeface="+mj-lt"/>
+            </a:endParaRPr>
+          </a:p>
+        </p:txBody>
+      </p:sp>
+    </p:spTree>
+    <p:extLst>
+      <p:ext uri="{BB962C8B-B14F-4D97-AF65-F5344CB8AC3E}">
+        <p14:creationId xmlns:p14="http://schemas.microsoft.com/office/powerpoint/2010/main" val="398598459"/>
+      </p:ext>
+    </p:extLst>
+  </p:cSld>
+  <p:clrMapOvr>
+    <a:masterClrMapping/>
+  </p:clrMapOvr>
+  <p:timing>
+    <p:tnLst>
+      <p:par>
+        <p:cTn id="1" dur="indefinite" restart="never" nodeType="tmRoot"/>
+      </p:par>
+    </p:tnLst>
+  </p:timing>
 </p:sld>
 </file>
 
@@ -3407,6 +3867,13 @@
   <p:clrMapOvr>
     <a:masterClrMapping/>
   </p:clrMapOvr>
+  <p:timing>
+    <p:tnLst>
+      <p:par>
+        <p:cTn id="1" dur="indefinite" restart="never" nodeType="tmRoot"/>
+      </p:par>
+    </p:tnLst>
+  </p:timing>
 </p:sld>
 </file>
 
@@ -3467,6 +3934,13 @@
   <p:clrMapOvr>
     <a:masterClrMapping/>
   </p:clrMapOvr>
+  <p:timing>
+    <p:tnLst>
+      <p:par>
+        <p:cTn id="1" dur="indefinite" restart="never" nodeType="tmRoot"/>
+      </p:par>
+    </p:tnLst>
+  </p:timing>
 </p:sld>
 </file>
 
@@ -3527,6 +4001,13 @@
   <p:clrMapOvr>
     <a:masterClrMapping/>
   </p:clrMapOvr>
+  <p:timing>
+    <p:tnLst>
+      <p:par>
+        <p:cTn id="1" dur="indefinite" restart="never" nodeType="tmRoot"/>
+      </p:par>
+    </p:tnLst>
+  </p:timing>
 </p:sld>
 </file>
 
@@ -3617,6 +4098,13 @@
   <p:clrMapOvr>
     <a:masterClrMapping/>
   </p:clrMapOvr>
+  <p:timing>
+    <p:tnLst>
+      <p:par>
+        <p:cTn id="1" dur="indefinite" restart="never" nodeType="tmRoot"/>
+      </p:par>
+    </p:tnLst>
+  </p:timing>
 </p:sld>
 </file>
 
@@ -3737,6 +4225,13 @@
   <p:clrMapOvr>
     <a:masterClrMapping/>
   </p:clrMapOvr>
+  <p:timing>
+    <p:tnLst>
+      <p:par>
+        <p:cTn id="1" dur="indefinite" restart="never" nodeType="tmRoot"/>
+      </p:par>
+    </p:tnLst>
+  </p:timing>
 </p:sld>
 </file>
 
@@ -3797,6 +4292,13 @@
   <p:clrMapOvr>
     <a:masterClrMapping/>
   </p:clrMapOvr>
+  <p:timing>
+    <p:tnLst>
+      <p:par>
+        <p:cTn id="1" dur="indefinite" restart="never" nodeType="tmRoot"/>
+      </p:par>
+    </p:tnLst>
+  </p:timing>
 </p:sld>
 </file>
 
@@ -3857,6 +4359,13 @@
   <p:clrMapOvr>
     <a:masterClrMapping/>
   </p:clrMapOvr>
+  <p:timing>
+    <p:tnLst>
+      <p:par>
+        <p:cTn id="1" dur="indefinite" restart="never" nodeType="tmRoot"/>
+      </p:par>
+    </p:tnLst>
+  </p:timing>
 </p:sld>
 </file>
 
@@ -3917,6 +4426,13 @@
   <p:clrMapOvr>
     <a:masterClrMapping/>
   </p:clrMapOvr>
+  <p:timing>
+    <p:tnLst>
+      <p:par>
+        <p:cTn id="1" dur="indefinite" restart="never" nodeType="tmRoot"/>
+      </p:par>
+    </p:tnLst>
+  </p:timing>
 </p:sld>
 </file>
 
